--- a/PPT-2020/ch09 语义分析.pptx
+++ b/PPT-2020/ch09 语义分析.pptx
@@ -390,7 +390,7 @@
           <a:p>
             <a:fld id="{B161E7BD-2304-4CFF-AC2E-DAADCB15FF3C}" type="datetimeFigureOut">
               <a:rPr lang="zh-CN" altLang="en-US" smtClean="0"/>
-              <a:t>2020/6/29</a:t>
+              <a:t>2020/6/30</a:t>
             </a:fld>
             <a:endParaRPr lang="zh-CN" altLang="en-US"/>
           </a:p>
@@ -804,7 +804,7 @@
           <a:p>
             <a:fld id="{B161E7BD-2304-4CFF-AC2E-DAADCB15FF3C}" type="datetimeFigureOut">
               <a:rPr lang="zh-CN" altLang="en-US" smtClean="0"/>
-              <a:t>2020/6/29</a:t>
+              <a:t>2020/6/30</a:t>
             </a:fld>
             <a:endParaRPr lang="zh-CN" altLang="en-US"/>
           </a:p>
@@ -1140,7 +1140,7 @@
           <a:p>
             <a:fld id="{B161E7BD-2304-4CFF-AC2E-DAADCB15FF3C}" type="datetimeFigureOut">
               <a:rPr lang="zh-CN" altLang="en-US" smtClean="0"/>
-              <a:t>2020/6/29</a:t>
+              <a:t>2020/6/30</a:t>
             </a:fld>
             <a:endParaRPr lang="zh-CN" altLang="en-US"/>
           </a:p>
@@ -1545,7 +1545,7 @@
           <a:p>
             <a:fld id="{B161E7BD-2304-4CFF-AC2E-DAADCB15FF3C}" type="datetimeFigureOut">
               <a:rPr lang="zh-CN" altLang="en-US" smtClean="0"/>
-              <a:t>2020/6/29</a:t>
+              <a:t>2020/6/30</a:t>
             </a:fld>
             <a:endParaRPr lang="zh-CN" altLang="en-US"/>
           </a:p>
@@ -2113,7 +2113,7 @@
           <a:p>
             <a:fld id="{B161E7BD-2304-4CFF-AC2E-DAADCB15FF3C}" type="datetimeFigureOut">
               <a:rPr lang="zh-CN" altLang="en-US" smtClean="0"/>
-              <a:t>2020/6/29</a:t>
+              <a:t>2020/6/30</a:t>
             </a:fld>
             <a:endParaRPr lang="zh-CN" altLang="en-US"/>
           </a:p>
@@ -2794,7 +2794,7 @@
           <a:p>
             <a:fld id="{B161E7BD-2304-4CFF-AC2E-DAADCB15FF3C}" type="datetimeFigureOut">
               <a:rPr lang="zh-CN" altLang="en-US" smtClean="0"/>
-              <a:t>2020/6/29</a:t>
+              <a:t>2020/6/30</a:t>
             </a:fld>
             <a:endParaRPr lang="zh-CN" altLang="en-US"/>
           </a:p>
@@ -3707,7 +3707,7 @@
           <a:p>
             <a:fld id="{B161E7BD-2304-4CFF-AC2E-DAADCB15FF3C}" type="datetimeFigureOut">
               <a:rPr lang="zh-CN" altLang="en-US" smtClean="0"/>
-              <a:t>2020/6/29</a:t>
+              <a:t>2020/6/30</a:t>
             </a:fld>
             <a:endParaRPr lang="zh-CN" altLang="en-US"/>
           </a:p>
@@ -4020,7 +4020,7 @@
           <a:p>
             <a:fld id="{B161E7BD-2304-4CFF-AC2E-DAADCB15FF3C}" type="datetimeFigureOut">
               <a:rPr lang="zh-CN" altLang="en-US" smtClean="0"/>
-              <a:t>2020/6/29</a:t>
+              <a:t>2020/6/30</a:t>
             </a:fld>
             <a:endParaRPr lang="zh-CN" altLang="en-US"/>
           </a:p>
@@ -4284,7 +4284,7 @@
           <a:p>
             <a:fld id="{B161E7BD-2304-4CFF-AC2E-DAADCB15FF3C}" type="datetimeFigureOut">
               <a:rPr lang="zh-CN" altLang="en-US" smtClean="0"/>
-              <a:t>2020/6/29</a:t>
+              <a:t>2020/6/30</a:t>
             </a:fld>
             <a:endParaRPr lang="zh-CN" altLang="en-US"/>
           </a:p>
@@ -4607,7 +4607,7 @@
           <a:p>
             <a:fld id="{B161E7BD-2304-4CFF-AC2E-DAADCB15FF3C}" type="datetimeFigureOut">
               <a:rPr lang="zh-CN" altLang="en-US" smtClean="0"/>
-              <a:t>2020/6/29</a:t>
+              <a:t>2020/6/30</a:t>
             </a:fld>
             <a:endParaRPr lang="zh-CN" altLang="en-US"/>
           </a:p>
@@ -4996,7 +4996,7 @@
           <a:p>
             <a:fld id="{B161E7BD-2304-4CFF-AC2E-DAADCB15FF3C}" type="datetimeFigureOut">
               <a:rPr lang="zh-CN" altLang="en-US" smtClean="0"/>
-              <a:t>2020/6/29</a:t>
+              <a:t>2020/6/30</a:t>
             </a:fld>
             <a:endParaRPr lang="zh-CN" altLang="en-US"/>
           </a:p>
@@ -5372,7 +5372,7 @@
           <a:p>
             <a:fld id="{B161E7BD-2304-4CFF-AC2E-DAADCB15FF3C}" type="datetimeFigureOut">
               <a:rPr lang="zh-CN" altLang="en-US" smtClean="0"/>
-              <a:t>2020/6/29</a:t>
+              <a:t>2020/6/30</a:t>
             </a:fld>
             <a:endParaRPr lang="zh-CN" altLang="en-US"/>
           </a:p>
@@ -5878,7 +5878,7 @@
           <a:p>
             <a:fld id="{B161E7BD-2304-4CFF-AC2E-DAADCB15FF3C}" type="datetimeFigureOut">
               <a:rPr lang="zh-CN" altLang="en-US" smtClean="0"/>
-              <a:t>2020/6/29</a:t>
+              <a:t>2020/6/30</a:t>
             </a:fld>
             <a:endParaRPr lang="zh-CN" altLang="en-US"/>
           </a:p>
@@ -6135,7 +6135,7 @@
           <a:p>
             <a:fld id="{B161E7BD-2304-4CFF-AC2E-DAADCB15FF3C}" type="datetimeFigureOut">
               <a:rPr lang="zh-CN" altLang="en-US" smtClean="0"/>
-              <a:t>2020/6/29</a:t>
+              <a:t>2020/6/30</a:t>
             </a:fld>
             <a:endParaRPr lang="zh-CN" altLang="en-US"/>
           </a:p>
@@ -6298,7 +6298,7 @@
           <a:p>
             <a:fld id="{B161E7BD-2304-4CFF-AC2E-DAADCB15FF3C}" type="datetimeFigureOut">
               <a:rPr lang="zh-CN" altLang="en-US" smtClean="0"/>
-              <a:t>2020/6/29</a:t>
+              <a:t>2020/6/30</a:t>
             </a:fld>
             <a:endParaRPr lang="zh-CN" altLang="en-US"/>
           </a:p>
@@ -6688,7 +6688,7 @@
           <a:p>
             <a:fld id="{B161E7BD-2304-4CFF-AC2E-DAADCB15FF3C}" type="datetimeFigureOut">
               <a:rPr lang="zh-CN" altLang="en-US" smtClean="0"/>
-              <a:t>2020/6/29</a:t>
+              <a:t>2020/6/30</a:t>
             </a:fld>
             <a:endParaRPr lang="zh-CN" altLang="en-US"/>
           </a:p>
@@ -7097,7 +7097,7 @@
           <a:p>
             <a:fld id="{B161E7BD-2304-4CFF-AC2E-DAADCB15FF3C}" type="datetimeFigureOut">
               <a:rPr lang="zh-CN" altLang="en-US" smtClean="0"/>
-              <a:t>2020/6/29</a:t>
+              <a:t>2020/6/30</a:t>
             </a:fld>
             <a:endParaRPr lang="zh-CN" altLang="en-US"/>
           </a:p>
@@ -7341,7 +7341,7 @@
           <a:p>
             <a:fld id="{B161E7BD-2304-4CFF-AC2E-DAADCB15FF3C}" type="datetimeFigureOut">
               <a:rPr lang="zh-CN" altLang="en-US" smtClean="0"/>
-              <a:t>2020/6/29</a:t>
+              <a:t>2020/6/30</a:t>
             </a:fld>
             <a:endParaRPr lang="zh-CN" altLang="en-US"/>
           </a:p>
@@ -8107,17 +8107,6 @@
               <a:buNone/>
             </a:pPr>
             <a:r>
-              <a:rPr lang="en-US" altLang="zh-CN" dirty="0"/>
-              <a:t>9.1 </a:t>
-            </a:r>
-            <a:r>
-              <a:rPr lang="zh-CN" altLang="en-US" dirty="0"/>
-              <a:t>词义消歧</a:t>
-            </a:r>
-            <a:br>
-              <a:rPr lang="zh-CN" altLang="en-US" dirty="0"/>
-            </a:br>
-            <a:r>
               <a:rPr lang="zh-CN" altLang="en-US" dirty="0"/>
               <a:t>　　</a:t>
             </a:r>
@@ -8279,17 +8268,6 @@
               <a:rPr lang="zh-CN" altLang="en-US" dirty="0"/>
             </a:br>
             <a:r>
-              <a:rPr lang="en-US" altLang="zh-CN" dirty="0"/>
-              <a:t>9.2 </a:t>
-            </a:r>
-            <a:r>
-              <a:rPr lang="zh-CN" altLang="en-US" dirty="0"/>
-              <a:t>语义角色标注</a:t>
-            </a:r>
-            <a:br>
-              <a:rPr lang="zh-CN" altLang="en-US" dirty="0"/>
-            </a:br>
-            <a:r>
               <a:rPr lang="zh-CN" altLang="en-US" dirty="0"/>
               <a:t>　　</a:t>
             </a:r>
@@ -8417,17 +8395,6 @@
             <a:pPr marL="0" indent="0">
               <a:buNone/>
             </a:pPr>
-            <a:r>
-              <a:rPr lang="en-US" altLang="zh-CN" dirty="0"/>
-              <a:t>9.3 </a:t>
-            </a:r>
-            <a:r>
-              <a:rPr lang="zh-CN" altLang="en-US" dirty="0"/>
-              <a:t>深层语义推理</a:t>
-            </a:r>
-            <a:br>
-              <a:rPr lang="zh-CN" altLang="en-US" dirty="0"/>
-            </a:br>
             <a:r>
               <a:rPr lang="zh-CN" altLang="en-US" dirty="0"/>
               <a:t>　　</a:t>

--- a/PPT-2020/ch09 语义分析.pptx
+++ b/PPT-2020/ch09 语义分析.pptx
@@ -7,9 +7,14 @@
   <p:sldIdLst>
     <p:sldId id="256" r:id="rId2"/>
     <p:sldId id="257" r:id="rId3"/>
-    <p:sldId id="258" r:id="rId4"/>
-    <p:sldId id="259" r:id="rId5"/>
-    <p:sldId id="260" r:id="rId6"/>
+    <p:sldId id="260" r:id="rId4"/>
+    <p:sldId id="261" r:id="rId5"/>
+    <p:sldId id="262" r:id="rId6"/>
+    <p:sldId id="263" r:id="rId7"/>
+    <p:sldId id="264" r:id="rId8"/>
+    <p:sldId id="265" r:id="rId9"/>
+    <p:sldId id="266" r:id="rId10"/>
+    <p:sldId id="287" r:id="rId11"/>
   </p:sldIdLst>
   <p:sldSz cx="12192000" cy="6858000"/>
   <p:notesSz cx="6858000" cy="9144000"/>
@@ -390,7 +395,7 @@
           <a:p>
             <a:fld id="{B161E7BD-2304-4CFF-AC2E-DAADCB15FF3C}" type="datetimeFigureOut">
               <a:rPr lang="zh-CN" altLang="en-US" smtClean="0"/>
-              <a:t>2020/6/30</a:t>
+              <a:t>2020/8/23</a:t>
             </a:fld>
             <a:endParaRPr lang="zh-CN" altLang="en-US"/>
           </a:p>
@@ -804,7 +809,7 @@
           <a:p>
             <a:fld id="{B161E7BD-2304-4CFF-AC2E-DAADCB15FF3C}" type="datetimeFigureOut">
               <a:rPr lang="zh-CN" altLang="en-US" smtClean="0"/>
-              <a:t>2020/6/30</a:t>
+              <a:t>2020/8/23</a:t>
             </a:fld>
             <a:endParaRPr lang="zh-CN" altLang="en-US"/>
           </a:p>
@@ -1140,7 +1145,7 @@
           <a:p>
             <a:fld id="{B161E7BD-2304-4CFF-AC2E-DAADCB15FF3C}" type="datetimeFigureOut">
               <a:rPr lang="zh-CN" altLang="en-US" smtClean="0"/>
-              <a:t>2020/6/30</a:t>
+              <a:t>2020/8/23</a:t>
             </a:fld>
             <a:endParaRPr lang="zh-CN" altLang="en-US"/>
           </a:p>
@@ -1545,7 +1550,7 @@
           <a:p>
             <a:fld id="{B161E7BD-2304-4CFF-AC2E-DAADCB15FF3C}" type="datetimeFigureOut">
               <a:rPr lang="zh-CN" altLang="en-US" smtClean="0"/>
-              <a:t>2020/6/30</a:t>
+              <a:t>2020/8/23</a:t>
             </a:fld>
             <a:endParaRPr lang="zh-CN" altLang="en-US"/>
           </a:p>
@@ -2113,7 +2118,7 @@
           <a:p>
             <a:fld id="{B161E7BD-2304-4CFF-AC2E-DAADCB15FF3C}" type="datetimeFigureOut">
               <a:rPr lang="zh-CN" altLang="en-US" smtClean="0"/>
-              <a:t>2020/6/30</a:t>
+              <a:t>2020/8/23</a:t>
             </a:fld>
             <a:endParaRPr lang="zh-CN" altLang="en-US"/>
           </a:p>
@@ -2794,7 +2799,7 @@
           <a:p>
             <a:fld id="{B161E7BD-2304-4CFF-AC2E-DAADCB15FF3C}" type="datetimeFigureOut">
               <a:rPr lang="zh-CN" altLang="en-US" smtClean="0"/>
-              <a:t>2020/6/30</a:t>
+              <a:t>2020/8/23</a:t>
             </a:fld>
             <a:endParaRPr lang="zh-CN" altLang="en-US"/>
           </a:p>
@@ -3707,7 +3712,7 @@
           <a:p>
             <a:fld id="{B161E7BD-2304-4CFF-AC2E-DAADCB15FF3C}" type="datetimeFigureOut">
               <a:rPr lang="zh-CN" altLang="en-US" smtClean="0"/>
-              <a:t>2020/6/30</a:t>
+              <a:t>2020/8/23</a:t>
             </a:fld>
             <a:endParaRPr lang="zh-CN" altLang="en-US"/>
           </a:p>
@@ -4020,7 +4025,7 @@
           <a:p>
             <a:fld id="{B161E7BD-2304-4CFF-AC2E-DAADCB15FF3C}" type="datetimeFigureOut">
               <a:rPr lang="zh-CN" altLang="en-US" smtClean="0"/>
-              <a:t>2020/6/30</a:t>
+              <a:t>2020/8/23</a:t>
             </a:fld>
             <a:endParaRPr lang="zh-CN" altLang="en-US"/>
           </a:p>
@@ -4284,7 +4289,7 @@
           <a:p>
             <a:fld id="{B161E7BD-2304-4CFF-AC2E-DAADCB15FF3C}" type="datetimeFigureOut">
               <a:rPr lang="zh-CN" altLang="en-US" smtClean="0"/>
-              <a:t>2020/6/30</a:t>
+              <a:t>2020/8/23</a:t>
             </a:fld>
             <a:endParaRPr lang="zh-CN" altLang="en-US"/>
           </a:p>
@@ -4607,7 +4612,7 @@
           <a:p>
             <a:fld id="{B161E7BD-2304-4CFF-AC2E-DAADCB15FF3C}" type="datetimeFigureOut">
               <a:rPr lang="zh-CN" altLang="en-US" smtClean="0"/>
-              <a:t>2020/6/30</a:t>
+              <a:t>2020/8/23</a:t>
             </a:fld>
             <a:endParaRPr lang="zh-CN" altLang="en-US"/>
           </a:p>
@@ -4996,7 +5001,7 @@
           <a:p>
             <a:fld id="{B161E7BD-2304-4CFF-AC2E-DAADCB15FF3C}" type="datetimeFigureOut">
               <a:rPr lang="zh-CN" altLang="en-US" smtClean="0"/>
-              <a:t>2020/6/30</a:t>
+              <a:t>2020/8/23</a:t>
             </a:fld>
             <a:endParaRPr lang="zh-CN" altLang="en-US"/>
           </a:p>
@@ -5372,7 +5377,7 @@
           <a:p>
             <a:fld id="{B161E7BD-2304-4CFF-AC2E-DAADCB15FF3C}" type="datetimeFigureOut">
               <a:rPr lang="zh-CN" altLang="en-US" smtClean="0"/>
-              <a:t>2020/6/30</a:t>
+              <a:t>2020/8/23</a:t>
             </a:fld>
             <a:endParaRPr lang="zh-CN" altLang="en-US"/>
           </a:p>
@@ -5878,7 +5883,7 @@
           <a:p>
             <a:fld id="{B161E7BD-2304-4CFF-AC2E-DAADCB15FF3C}" type="datetimeFigureOut">
               <a:rPr lang="zh-CN" altLang="en-US" smtClean="0"/>
-              <a:t>2020/6/30</a:t>
+              <a:t>2020/8/23</a:t>
             </a:fld>
             <a:endParaRPr lang="zh-CN" altLang="en-US"/>
           </a:p>
@@ -6135,7 +6140,7 @@
           <a:p>
             <a:fld id="{B161E7BD-2304-4CFF-AC2E-DAADCB15FF3C}" type="datetimeFigureOut">
               <a:rPr lang="zh-CN" altLang="en-US" smtClean="0"/>
-              <a:t>2020/6/30</a:t>
+              <a:t>2020/8/23</a:t>
             </a:fld>
             <a:endParaRPr lang="zh-CN" altLang="en-US"/>
           </a:p>
@@ -6298,7 +6303,7 @@
           <a:p>
             <a:fld id="{B161E7BD-2304-4CFF-AC2E-DAADCB15FF3C}" type="datetimeFigureOut">
               <a:rPr lang="zh-CN" altLang="en-US" smtClean="0"/>
-              <a:t>2020/6/30</a:t>
+              <a:t>2020/8/23</a:t>
             </a:fld>
             <a:endParaRPr lang="zh-CN" altLang="en-US"/>
           </a:p>
@@ -6688,7 +6693,7 @@
           <a:p>
             <a:fld id="{B161E7BD-2304-4CFF-AC2E-DAADCB15FF3C}" type="datetimeFigureOut">
               <a:rPr lang="zh-CN" altLang="en-US" smtClean="0"/>
-              <a:t>2020/6/30</a:t>
+              <a:t>2020/8/23</a:t>
             </a:fld>
             <a:endParaRPr lang="zh-CN" altLang="en-US"/>
           </a:p>
@@ -7097,7 +7102,7 @@
           <a:p>
             <a:fld id="{B161E7BD-2304-4CFF-AC2E-DAADCB15FF3C}" type="datetimeFigureOut">
               <a:rPr lang="zh-CN" altLang="en-US" smtClean="0"/>
-              <a:t>2020/6/30</a:t>
+              <a:t>2020/8/23</a:t>
             </a:fld>
             <a:endParaRPr lang="zh-CN" altLang="en-US"/>
           </a:p>
@@ -7341,7 +7346,7 @@
           <a:p>
             <a:fld id="{B161E7BD-2304-4CFF-AC2E-DAADCB15FF3C}" type="datetimeFigureOut">
               <a:rPr lang="zh-CN" altLang="en-US" smtClean="0"/>
-              <a:t>2020/6/30</a:t>
+              <a:t>2020/8/23</a:t>
             </a:fld>
             <a:endParaRPr lang="zh-CN" altLang="en-US"/>
           </a:p>
@@ -7884,6 +7889,107 @@
 </p:sld>
 </file>
 
+<file path=ppt/slides/slide10.xml><?xml version="1.0" encoding="utf-8"?>
+<p:sld xmlns:a="http://schemas.openxmlformats.org/drawingml/2006/main" xmlns:r="http://schemas.openxmlformats.org/officeDocument/2006/relationships" xmlns:p="http://schemas.openxmlformats.org/presentationml/2006/main">
+  <p:cSld>
+    <p:spTree>
+      <p:nvGrpSpPr>
+        <p:cNvPr id="1" name=""/>
+        <p:cNvGrpSpPr/>
+        <p:nvPr/>
+      </p:nvGrpSpPr>
+      <p:grpSpPr>
+        <a:xfrm>
+          <a:off x="0" y="0"/>
+          <a:ext cx="0" cy="0"/>
+          <a:chOff x="0" y="0"/>
+          <a:chExt cx="0" cy="0"/>
+        </a:xfrm>
+      </p:grpSpPr>
+      <p:sp>
+        <p:nvSpPr>
+          <p:cNvPr id="6" name="矩形 5">
+            <a:extLst>
+              <a:ext uri="{FF2B5EF4-FFF2-40B4-BE49-F238E27FC236}">
+                <a16:creationId xmlns:a16="http://schemas.microsoft.com/office/drawing/2014/main" id="{CADF162C-8C31-4702-8C51-3D52B99A40F0}"/>
+              </a:ext>
+            </a:extLst>
+          </p:cNvPr>
+          <p:cNvSpPr/>
+          <p:nvPr/>
+        </p:nvSpPr>
+        <p:spPr>
+          <a:xfrm>
+            <a:off x="3630456" y="3298074"/>
+            <a:ext cx="4054395" cy="1323439"/>
+          </a:xfrm>
+          <a:prstGeom prst="rect">
+            <a:avLst/>
+          </a:prstGeom>
+          <a:noFill/>
+        </p:spPr>
+        <p:txBody>
+          <a:bodyPr wrap="square" lIns="91440" tIns="45720" rIns="91440" bIns="45720">
+            <a:spAutoFit/>
+          </a:bodyPr>
+          <a:lstStyle/>
+          <a:p>
+            <a:pPr algn="ctr"/>
+            <a:r>
+              <a:rPr lang="en-US" altLang="zh-CN" sz="8000" b="1" dirty="0">
+                <a:ln w="12700">
+                  <a:solidFill>
+                    <a:schemeClr val="accent3">
+                      <a:lumMod val="50000"/>
+                    </a:schemeClr>
+                  </a:solidFill>
+                  <a:prstDash val="solid"/>
+                </a:ln>
+                <a:effectLst>
+                  <a:innerShdw blurRad="177800">
+                    <a:schemeClr val="accent3">
+                      <a:lumMod val="50000"/>
+                    </a:schemeClr>
+                  </a:innerShdw>
+                </a:effectLst>
+                <a:latin typeface="Franklin Gothic Book" panose="020B0503020102020204" pitchFamily="34" charset="0"/>
+              </a:rPr>
+              <a:t>THE END</a:t>
+            </a:r>
+            <a:endParaRPr lang="zh-CN" altLang="en-US" sz="8000" b="1" dirty="0">
+              <a:ln w="12700">
+                <a:solidFill>
+                  <a:schemeClr val="accent3">
+                    <a:lumMod val="50000"/>
+                  </a:schemeClr>
+                </a:solidFill>
+                <a:prstDash val="solid"/>
+              </a:ln>
+              <a:effectLst>
+                <a:innerShdw blurRad="177800">
+                  <a:schemeClr val="accent3">
+                    <a:lumMod val="50000"/>
+                  </a:schemeClr>
+                </a:innerShdw>
+              </a:effectLst>
+              <a:latin typeface="Franklin Gothic Book" panose="020B0503020102020204" pitchFamily="34" charset="0"/>
+            </a:endParaRPr>
+          </a:p>
+        </p:txBody>
+      </p:sp>
+    </p:spTree>
+    <p:extLst>
+      <p:ext uri="{BB962C8B-B14F-4D97-AF65-F5344CB8AC3E}">
+        <p14:creationId xmlns:p14="http://schemas.microsoft.com/office/powerpoint/2010/main" val="1615317569"/>
+      </p:ext>
+    </p:extLst>
+  </p:cSld>
+  <p:clrMapOvr>
+    <a:masterClrMapping/>
+  </p:clrMapOvr>
+</p:sld>
+</file>
+
 <file path=ppt/slides/slide2.xml><?xml version="1.0" encoding="utf-8"?>
 <p:sld xmlns:a="http://schemas.openxmlformats.org/drawingml/2006/main" xmlns:r="http://schemas.openxmlformats.org/officeDocument/2006/relationships" xmlns:p="http://schemas.openxmlformats.org/presentationml/2006/main">
   <p:cSld>
@@ -8012,6 +8118,66 @@
           </a:p>
         </p:txBody>
       </p:sp>
+      <p:pic>
+        <p:nvPicPr>
+          <p:cNvPr id="5" name="图片 4">
+            <a:extLst>
+              <a:ext uri="{FF2B5EF4-FFF2-40B4-BE49-F238E27FC236}">
+                <a16:creationId xmlns:a16="http://schemas.microsoft.com/office/drawing/2014/main" id="{3A242EFE-3E4C-4C62-A517-C3D676DADB8C}"/>
+              </a:ext>
+            </a:extLst>
+          </p:cNvPr>
+          <p:cNvPicPr>
+            <a:picLocks noChangeAspect="1"/>
+          </p:cNvPicPr>
+          <p:nvPr/>
+        </p:nvPicPr>
+        <p:blipFill>
+          <a:blip r:embed="rId2"/>
+          <a:stretch>
+            <a:fillRect/>
+          </a:stretch>
+        </p:blipFill>
+        <p:spPr>
+          <a:xfrm>
+            <a:off x="4407598" y="2172534"/>
+            <a:ext cx="3620965" cy="4495295"/>
+          </a:xfrm>
+          <a:prstGeom prst="rect">
+            <a:avLst/>
+          </a:prstGeom>
+        </p:spPr>
+      </p:pic>
+      <p:pic>
+        <p:nvPicPr>
+          <p:cNvPr id="11" name="图片 10">
+            <a:extLst>
+              <a:ext uri="{FF2B5EF4-FFF2-40B4-BE49-F238E27FC236}">
+                <a16:creationId xmlns:a16="http://schemas.microsoft.com/office/drawing/2014/main" id="{D6F5CA76-201A-48C6-9971-28F9D241CD3C}"/>
+              </a:ext>
+            </a:extLst>
+          </p:cNvPr>
+          <p:cNvPicPr>
+            <a:picLocks noChangeAspect="1"/>
+          </p:cNvPicPr>
+          <p:nvPr/>
+        </p:nvPicPr>
+        <p:blipFill>
+          <a:blip r:embed="rId3"/>
+          <a:stretch>
+            <a:fillRect/>
+          </a:stretch>
+        </p:blipFill>
+        <p:spPr>
+          <a:xfrm>
+            <a:off x="8558652" y="2172534"/>
+            <a:ext cx="3197188" cy="4495295"/>
+          </a:xfrm>
+          <a:prstGeom prst="rect">
+            <a:avLst/>
+          </a:prstGeom>
+        </p:spPr>
+      </p:pic>
     </p:spTree>
     <p:extLst>
       <p:ext uri="{BB962C8B-B14F-4D97-AF65-F5344CB8AC3E}">
@@ -8042,138 +8208,40 @@
           <a:chExt cx="0" cy="0"/>
         </a:xfrm>
       </p:grpSpPr>
-      <p:sp>
-        <p:nvSpPr>
-          <p:cNvPr id="2" name="标题 1">
+      <p:pic>
+        <p:nvPicPr>
+          <p:cNvPr id="9" name="图片 8">
             <a:extLst>
               <a:ext uri="{FF2B5EF4-FFF2-40B4-BE49-F238E27FC236}">
-                <a16:creationId xmlns:a16="http://schemas.microsoft.com/office/drawing/2014/main" id="{B1AA155A-4A36-4085-BF68-DD9783C31505}"/>
+                <a16:creationId xmlns:a16="http://schemas.microsoft.com/office/drawing/2014/main" id="{D8D34897-512F-4F14-A749-DEE9297E18A3}"/>
               </a:ext>
             </a:extLst>
           </p:cNvPr>
-          <p:cNvSpPr>
-            <a:spLocks noGrp="1"/>
-          </p:cNvSpPr>
-          <p:nvPr>
-            <p:ph type="title"/>
-          </p:nvPr>
-        </p:nvSpPr>
-        <p:spPr/>
-        <p:txBody>
-          <a:bodyPr/>
-          <a:lstStyle/>
-          <a:p>
-            <a:r>
-              <a:rPr lang="en-US" altLang="zh-CN" dirty="0"/>
-              <a:t>9.1 </a:t>
-            </a:r>
-            <a:r>
-              <a:rPr lang="zh-CN" altLang="en-US" dirty="0"/>
-              <a:t>词义消歧</a:t>
-            </a:r>
-            <a:endParaRPr lang="zh-CN" altLang="en-US" b="1" dirty="0"/>
-          </a:p>
-        </p:txBody>
-      </p:sp>
-      <p:sp>
-        <p:nvSpPr>
-          <p:cNvPr id="3" name="内容占位符 2">
-            <a:extLst>
-              <a:ext uri="{FF2B5EF4-FFF2-40B4-BE49-F238E27FC236}">
-                <a16:creationId xmlns:a16="http://schemas.microsoft.com/office/drawing/2014/main" id="{81B33DC0-BF5D-412E-AF38-E6D4F60B9A29}"/>
-              </a:ext>
-            </a:extLst>
-          </p:cNvPr>
-          <p:cNvSpPr>
-            <a:spLocks noGrp="1"/>
-          </p:cNvSpPr>
-          <p:nvPr>
-            <p:ph idx="1"/>
-          </p:nvPr>
-        </p:nvSpPr>
-        <p:spPr>
-          <a:xfrm>
-            <a:off x="680321" y="2336873"/>
-            <a:ext cx="9613861" cy="4115808"/>
-          </a:xfrm>
-        </p:spPr>
-        <p:txBody>
-          <a:bodyPr>
-            <a:noAutofit/>
-          </a:bodyPr>
-          <a:lstStyle/>
-          <a:p>
-            <a:pPr marL="0" indent="0">
-              <a:buNone/>
-            </a:pPr>
-            <a:r>
-              <a:rPr lang="zh-CN" altLang="en-US" dirty="0"/>
-              <a:t>　　</a:t>
-            </a:r>
-            <a:r>
-              <a:rPr lang="en-US" altLang="zh-CN" dirty="0"/>
-              <a:t>9.1.1 </a:t>
-            </a:r>
-            <a:r>
-              <a:rPr lang="zh-CN" altLang="en-US" dirty="0"/>
-              <a:t>基于规则的词义消歧</a:t>
-            </a:r>
-            <a:br>
-              <a:rPr lang="zh-CN" altLang="en-US" dirty="0"/>
-            </a:br>
-            <a:r>
-              <a:rPr lang="zh-CN" altLang="en-US" dirty="0"/>
-              <a:t>　　</a:t>
-            </a:r>
-            <a:r>
-              <a:rPr lang="en-US" altLang="zh-CN" dirty="0"/>
-              <a:t>9.1.2 </a:t>
-            </a:r>
-            <a:r>
-              <a:rPr lang="zh-CN" altLang="en-US" dirty="0"/>
-              <a:t>基于统计的词义消歧</a:t>
-            </a:r>
-            <a:br>
-              <a:rPr lang="zh-CN" altLang="en-US" dirty="0"/>
-            </a:br>
-            <a:r>
-              <a:rPr lang="zh-CN" altLang="en-US" dirty="0"/>
-              <a:t>　　</a:t>
-            </a:r>
-            <a:r>
-              <a:rPr lang="en-US" altLang="zh-CN" dirty="0"/>
-              <a:t>9.1.3 </a:t>
-            </a:r>
-            <a:r>
-              <a:rPr lang="zh-CN" altLang="en-US" dirty="0"/>
-              <a:t>基于实例的词义消歧</a:t>
-            </a:r>
-            <a:br>
-              <a:rPr lang="zh-CN" altLang="en-US" dirty="0"/>
-            </a:br>
-            <a:r>
-              <a:rPr lang="zh-CN" altLang="en-US" dirty="0"/>
-              <a:t>　　</a:t>
-            </a:r>
-            <a:r>
-              <a:rPr lang="en-US" altLang="zh-CN" dirty="0"/>
-              <a:t>9.1.4 </a:t>
-            </a:r>
-            <a:r>
-              <a:rPr lang="zh-CN" altLang="en-US" dirty="0"/>
-              <a:t>基于词典的词义消歧</a:t>
-            </a:r>
-            <a:br>
-              <a:rPr lang="zh-CN" altLang="en-US" dirty="0"/>
-            </a:br>
-            <a:endParaRPr lang="zh-CN" altLang="en-US" dirty="0"/>
-          </a:p>
-        </p:txBody>
-      </p:sp>
+          <p:cNvPicPr>
+            <a:picLocks noChangeAspect="1"/>
+          </p:cNvPicPr>
+          <p:nvPr/>
+        </p:nvPicPr>
+        <p:blipFill>
+          <a:blip r:embed="rId2"/>
+          <a:stretch>
+            <a:fillRect/>
+          </a:stretch>
+        </p:blipFill>
+        <p:spPr>
+          <a:xfrm>
+            <a:off x="291215" y="753228"/>
+            <a:ext cx="9851492" cy="5966989"/>
+          </a:xfrm>
+          <a:prstGeom prst="rect">
+            <a:avLst/>
+          </a:prstGeom>
+        </p:spPr>
+      </p:pic>
     </p:spTree>
     <p:extLst>
       <p:ext uri="{BB962C8B-B14F-4D97-AF65-F5344CB8AC3E}">
-        <p14:creationId xmlns:p14="http://schemas.microsoft.com/office/powerpoint/2010/main" val="2562699101"/>
+        <p14:creationId xmlns:p14="http://schemas.microsoft.com/office/powerpoint/2010/main" val="947805992"/>
       </p:ext>
     </p:extLst>
   </p:cSld>
@@ -8205,7 +8273,7 @@
           <p:cNvPr id="2" name="标题 1">
             <a:extLst>
               <a:ext uri="{FF2B5EF4-FFF2-40B4-BE49-F238E27FC236}">
-                <a16:creationId xmlns:a16="http://schemas.microsoft.com/office/drawing/2014/main" id="{B1AA155A-4A36-4085-BF68-DD9783C31505}"/>
+                <a16:creationId xmlns:a16="http://schemas.microsoft.com/office/drawing/2014/main" id="{0308EC48-D52A-40D9-BF07-D1A844EAE91A}"/>
               </a:ext>
             </a:extLst>
           </p:cNvPr>
@@ -8222,14 +8290,22 @@
           <a:lstStyle/>
           <a:p>
             <a:r>
+              <a:rPr lang="zh-CN" altLang="en-US" dirty="0"/>
+              <a:t>词义消歧 </a:t>
+            </a:r>
+            <a:r>
               <a:rPr lang="en-US" altLang="zh-CN" dirty="0"/>
-              <a:t>9.2 </a:t>
+              <a:t>Word Sense Disambiguation </a:t>
             </a:r>
             <a:r>
               <a:rPr lang="zh-CN" altLang="en-US" dirty="0"/>
-              <a:t>语义角色标注</a:t>
-            </a:r>
-            <a:endParaRPr lang="zh-CN" altLang="en-US" b="1" dirty="0"/>
+              <a:t>，</a:t>
+            </a:r>
+            <a:r>
+              <a:rPr lang="en-US" altLang="zh-CN" dirty="0"/>
+              <a:t>WSD</a:t>
+            </a:r>
+            <a:endParaRPr lang="zh-CN" altLang="en-US" dirty="0"/>
           </a:p>
         </p:txBody>
       </p:sp>
@@ -8238,7 +8314,7 @@
           <p:cNvPr id="3" name="内容占位符 2">
             <a:extLst>
               <a:ext uri="{FF2B5EF4-FFF2-40B4-BE49-F238E27FC236}">
-                <a16:creationId xmlns:a16="http://schemas.microsoft.com/office/drawing/2014/main" id="{81B33DC0-BF5D-412E-AF38-E6D4F60B9A29}"/>
+                <a16:creationId xmlns:a16="http://schemas.microsoft.com/office/drawing/2014/main" id="{A5B3984A-FE56-41CD-B1C5-E582BA228EBA}"/>
               </a:ext>
             </a:extLst>
           </p:cNvPr>
@@ -8251,60 +8327,386 @@
         </p:nvSpPr>
         <p:spPr>
           <a:xfrm>
-            <a:off x="680321" y="2336873"/>
-            <a:ext cx="9613861" cy="4115808"/>
+            <a:off x="680321" y="2101174"/>
+            <a:ext cx="9613861" cy="1843464"/>
           </a:xfrm>
         </p:spPr>
         <p:txBody>
           <a:bodyPr>
-            <a:noAutofit/>
+            <a:normAutofit/>
           </a:bodyPr>
           <a:lstStyle/>
           <a:p>
             <a:pPr marL="0" indent="0">
               <a:buNone/>
             </a:pPr>
-            <a:br>
+            <a:r>
               <a:rPr lang="zh-CN" altLang="en-US" dirty="0"/>
-            </a:br>
+              <a:t>一词具多义的现象非常普遍。</a:t>
+            </a:r>
+            <a:endParaRPr lang="en-US" altLang="zh-CN" dirty="0"/>
+          </a:p>
+          <a:p>
             <a:r>
               <a:rPr lang="zh-CN" altLang="en-US" dirty="0"/>
-              <a:t>　　</a:t>
-            </a:r>
-            <a:r>
-              <a:rPr lang="en-US" altLang="zh-CN" dirty="0"/>
-              <a:t>9.2.1 </a:t>
-            </a:r>
+              <a:t>如何自动获悉某个词的多种含义？</a:t>
+            </a:r>
+            <a:endParaRPr lang="en-US" altLang="zh-CN" dirty="0"/>
+          </a:p>
+          <a:p>
             <a:r>
               <a:rPr lang="zh-CN" altLang="en-US" dirty="0"/>
-              <a:t>格语法</a:t>
-            </a:r>
-            <a:br>
-              <a:rPr lang="zh-CN" altLang="en-US" dirty="0"/>
-            </a:br>
-            <a:r>
-              <a:rPr lang="zh-CN" altLang="en-US" dirty="0"/>
-              <a:t>　　</a:t>
-            </a:r>
-            <a:r>
-              <a:rPr lang="en-US" altLang="zh-CN" dirty="0"/>
-              <a:t>9.2.2 </a:t>
-            </a:r>
-            <a:r>
-              <a:rPr lang="zh-CN" altLang="en-US" dirty="0"/>
-              <a:t>基于统计机器学习技术的语义角色标注</a:t>
-            </a:r>
-            <a:br>
-              <a:rPr lang="zh-CN" altLang="en-US" dirty="0"/>
-            </a:br>
-            <a:endParaRPr lang="zh-CN" altLang="en-US" dirty="0"/>
+              <a:t>已知某个词有多种含义，如何根据上下文确认其含义？</a:t>
+            </a:r>
+          </a:p>
+        </p:txBody>
+      </p:sp>
+      <p:sp>
+        <p:nvSpPr>
+          <p:cNvPr id="6" name="文本框 5">
+            <a:extLst>
+              <a:ext uri="{FF2B5EF4-FFF2-40B4-BE49-F238E27FC236}">
+                <a16:creationId xmlns:a16="http://schemas.microsoft.com/office/drawing/2014/main" id="{3F6354A5-72AF-4C78-BD90-D0C92FB758A8}"/>
+              </a:ext>
+            </a:extLst>
+          </p:cNvPr>
+          <p:cNvSpPr txBox="1"/>
+          <p:nvPr/>
+        </p:nvSpPr>
+        <p:spPr>
+          <a:xfrm>
+            <a:off x="585071" y="6373196"/>
+            <a:ext cx="6096000" cy="369332"/>
+          </a:xfrm>
+          <a:prstGeom prst="rect">
+            <a:avLst/>
+          </a:prstGeom>
+          <a:noFill/>
+        </p:spPr>
+        <p:txBody>
+          <a:bodyPr wrap="square">
+            <a:spAutoFit/>
+          </a:bodyPr>
+          <a:lstStyle/>
+          <a:p>
+            <a:r>
+              <a:rPr lang="en-US" altLang="zh-CN" dirty="0">
+                <a:solidFill>
+                  <a:schemeClr val="bg1"/>
+                </a:solidFill>
+              </a:rPr>
+              <a:t>https://blog.csdn.net/echoKangYL/article/details/101034566</a:t>
+            </a:r>
+            <a:endParaRPr lang="zh-CN" altLang="en-US" dirty="0">
+              <a:solidFill>
+                <a:schemeClr val="bg1"/>
+              </a:solidFill>
+            </a:endParaRPr>
+          </a:p>
+        </p:txBody>
+      </p:sp>
+      <p:sp>
+        <p:nvSpPr>
+          <p:cNvPr id="8" name="文本框 7">
+            <a:extLst>
+              <a:ext uri="{FF2B5EF4-FFF2-40B4-BE49-F238E27FC236}">
+                <a16:creationId xmlns:a16="http://schemas.microsoft.com/office/drawing/2014/main" id="{45E37D31-F531-47B4-AD0C-F63A4CCF326C}"/>
+              </a:ext>
+            </a:extLst>
+          </p:cNvPr>
+          <p:cNvSpPr txBox="1"/>
+          <p:nvPr/>
+        </p:nvSpPr>
+        <p:spPr>
+          <a:xfrm>
+            <a:off x="1050587" y="3881496"/>
+            <a:ext cx="6258128" cy="1631216"/>
+          </a:xfrm>
+          <a:prstGeom prst="rect">
+            <a:avLst/>
+          </a:prstGeom>
+          <a:noFill/>
+        </p:spPr>
+        <p:txBody>
+          <a:bodyPr wrap="square">
+            <a:spAutoFit/>
+          </a:bodyPr>
+          <a:lstStyle/>
+          <a:p>
+            <a:pPr marL="342900" indent="-342900">
+              <a:buFont typeface="Wingdings" panose="05000000000000000000" pitchFamily="2" charset="2"/>
+              <a:buChar char="Ø"/>
+            </a:pPr>
+            <a:r>
+              <a:rPr lang="zh-CN" altLang="en-US" sz="2000" dirty="0"/>
+              <a:t>拍</a:t>
+            </a:r>
+            <a:r>
+              <a:rPr lang="zh-CN" altLang="en-US" sz="2000" dirty="0">
+                <a:solidFill>
+                  <a:schemeClr val="bg1"/>
+                </a:solidFill>
+                <a:highlight>
+                  <a:srgbClr val="FFFF00"/>
+                </a:highlight>
+              </a:rPr>
+              <a:t>打</a:t>
+            </a:r>
+            <a:r>
+              <a:rPr lang="zh-CN" altLang="en-US" sz="2000" dirty="0"/>
+              <a:t> </a:t>
+            </a:r>
+            <a:r>
+              <a:rPr lang="zh-CN" altLang="en-US" sz="2000" dirty="0">
+                <a:solidFill>
+                  <a:schemeClr val="bg1"/>
+                </a:solidFill>
+                <a:highlight>
+                  <a:srgbClr val="FFFF00"/>
+                </a:highlight>
+              </a:rPr>
+              <a:t>打</a:t>
+            </a:r>
+            <a:r>
+              <a:rPr lang="zh-CN" altLang="en-US" sz="2000" dirty="0"/>
+              <a:t>酱油 </a:t>
+            </a:r>
+            <a:r>
+              <a:rPr lang="zh-CN" altLang="en-US" sz="2000" dirty="0">
+                <a:solidFill>
+                  <a:schemeClr val="bg1"/>
+                </a:solidFill>
+                <a:highlight>
+                  <a:srgbClr val="FFFF00"/>
+                </a:highlight>
+              </a:rPr>
+              <a:t>打</a:t>
+            </a:r>
+            <a:r>
+              <a:rPr lang="zh-CN" altLang="en-US" sz="2000" dirty="0"/>
+              <a:t>电话 </a:t>
+            </a:r>
+            <a:r>
+              <a:rPr lang="zh-CN" altLang="en-US" sz="2000" dirty="0">
+                <a:solidFill>
+                  <a:schemeClr val="bg1"/>
+                </a:solidFill>
+                <a:highlight>
+                  <a:srgbClr val="FFFF00"/>
+                </a:highlight>
+              </a:rPr>
+              <a:t>打</a:t>
+            </a:r>
+            <a:r>
+              <a:rPr lang="zh-CN" altLang="en-US" sz="2000" dirty="0"/>
+              <a:t>毛衣 </a:t>
+            </a:r>
+            <a:r>
+              <a:rPr lang="zh-CN" altLang="en-US" sz="2000" dirty="0">
+                <a:solidFill>
+                  <a:schemeClr val="bg1"/>
+                </a:solidFill>
+                <a:highlight>
+                  <a:srgbClr val="FFFF00"/>
+                </a:highlight>
+              </a:rPr>
+              <a:t>打</a:t>
+            </a:r>
+            <a:r>
+              <a:rPr lang="zh-CN" altLang="en-US" sz="2000" dirty="0"/>
+              <a:t>手势 </a:t>
+            </a:r>
+            <a:r>
+              <a:rPr lang="zh-CN" altLang="en-US" sz="2000" dirty="0">
+                <a:solidFill>
+                  <a:schemeClr val="bg1"/>
+                </a:solidFill>
+                <a:highlight>
+                  <a:srgbClr val="FFFF00"/>
+                </a:highlight>
+              </a:rPr>
+              <a:t>打</a:t>
+            </a:r>
+            <a:r>
+              <a:rPr lang="zh-CN" altLang="en-US" sz="2000" dirty="0"/>
+              <a:t>哈欠 </a:t>
+            </a:r>
+            <a:r>
+              <a:rPr lang="zh-CN" altLang="en-US" sz="2000" dirty="0">
+                <a:solidFill>
+                  <a:schemeClr val="bg1"/>
+                </a:solidFill>
+                <a:highlight>
+                  <a:srgbClr val="FFFF00"/>
+                </a:highlight>
+              </a:rPr>
+              <a:t>打</a:t>
+            </a:r>
+            <a:r>
+              <a:rPr lang="zh-CN" altLang="en-US" sz="2000" dirty="0"/>
+              <a:t>拍子</a:t>
+            </a:r>
+            <a:endParaRPr lang="en-US" altLang="zh-CN" sz="2000" dirty="0"/>
+          </a:p>
+          <a:p>
+            <a:pPr marL="342900" indent="-342900">
+              <a:buFont typeface="Wingdings" panose="05000000000000000000" pitchFamily="2" charset="2"/>
+              <a:buChar char="Ø"/>
+            </a:pPr>
+            <a:r>
+              <a:rPr lang="zh-CN" altLang="en-US" sz="2000" dirty="0">
+                <a:solidFill>
+                  <a:schemeClr val="bg1"/>
+                </a:solidFill>
+                <a:highlight>
+                  <a:srgbClr val="FFFF00"/>
+                </a:highlight>
+              </a:rPr>
+              <a:t>拍子</a:t>
+            </a:r>
+            <a:r>
+              <a:rPr lang="zh-CN" altLang="en-US" sz="2000" dirty="0"/>
+              <a:t>坏了 打</a:t>
+            </a:r>
+            <a:r>
+              <a:rPr lang="zh-CN" altLang="en-US" sz="2000" dirty="0">
+                <a:solidFill>
+                  <a:schemeClr val="bg1"/>
+                </a:solidFill>
+                <a:highlight>
+                  <a:srgbClr val="FFFF00"/>
+                </a:highlight>
+              </a:rPr>
+              <a:t>拍子</a:t>
+            </a:r>
+            <a:endParaRPr lang="en-US" altLang="zh-CN" sz="2000" dirty="0">
+              <a:solidFill>
+                <a:schemeClr val="bg1"/>
+              </a:solidFill>
+              <a:highlight>
+                <a:srgbClr val="FFFF00"/>
+              </a:highlight>
+            </a:endParaRPr>
+          </a:p>
+          <a:p>
+            <a:pPr marL="342900" indent="-342900">
+              <a:buFont typeface="Wingdings" panose="05000000000000000000" pitchFamily="2" charset="2"/>
+              <a:buChar char="Ø"/>
+            </a:pPr>
+            <a:r>
+              <a:rPr lang="zh-CN" altLang="en-US" sz="2000" dirty="0"/>
+              <a:t>生意很</a:t>
+            </a:r>
+            <a:r>
+              <a:rPr lang="zh-CN" altLang="en-US" sz="2000" dirty="0">
+                <a:solidFill>
+                  <a:schemeClr val="bg1"/>
+                </a:solidFill>
+                <a:highlight>
+                  <a:srgbClr val="FFFF00"/>
+                </a:highlight>
+              </a:rPr>
+              <a:t>清淡</a:t>
+            </a:r>
+            <a:r>
+              <a:rPr lang="zh-CN" altLang="en-US" sz="2000" dirty="0"/>
+              <a:t> 口味较</a:t>
+            </a:r>
+            <a:r>
+              <a:rPr lang="zh-CN" altLang="en-US" sz="2000" dirty="0">
+                <a:solidFill>
+                  <a:schemeClr val="bg1"/>
+                </a:solidFill>
+                <a:highlight>
+                  <a:srgbClr val="FFFF00"/>
+                </a:highlight>
+              </a:rPr>
+              <a:t>清淡</a:t>
+            </a:r>
+            <a:endParaRPr lang="en-US" altLang="zh-CN" sz="2000" dirty="0">
+              <a:solidFill>
+                <a:schemeClr val="bg1"/>
+              </a:solidFill>
+              <a:highlight>
+                <a:srgbClr val="FFFF00"/>
+              </a:highlight>
+            </a:endParaRPr>
+          </a:p>
+          <a:p>
+            <a:pPr marL="342900" indent="-342900">
+              <a:buFont typeface="Wingdings" panose="05000000000000000000" pitchFamily="2" charset="2"/>
+              <a:buChar char="Ø"/>
+            </a:pPr>
+            <a:r>
+              <a:rPr lang="zh-CN" altLang="en-US" sz="2000" dirty="0"/>
+              <a:t>开</a:t>
+            </a:r>
+            <a:r>
+              <a:rPr lang="zh-CN" altLang="en-US" sz="2000" dirty="0">
+                <a:solidFill>
+                  <a:schemeClr val="bg1"/>
+                </a:solidFill>
+                <a:highlight>
+                  <a:srgbClr val="FFFF00"/>
+                </a:highlight>
+              </a:rPr>
+              <a:t>车</a:t>
+            </a:r>
+            <a:r>
+              <a:rPr lang="zh-CN" altLang="en-US" sz="2000" dirty="0"/>
+              <a:t> 吃你的</a:t>
+            </a:r>
+            <a:r>
+              <a:rPr lang="zh-CN" altLang="en-US" sz="2000" dirty="0">
+                <a:solidFill>
+                  <a:schemeClr val="bg1"/>
+                </a:solidFill>
+                <a:highlight>
+                  <a:srgbClr val="FFFF00"/>
+                </a:highlight>
+              </a:rPr>
+              <a:t>车</a:t>
+            </a:r>
+            <a:endParaRPr lang="en-US" altLang="zh-CN" sz="2000" dirty="0">
+              <a:solidFill>
+                <a:schemeClr val="bg1"/>
+              </a:solidFill>
+              <a:highlight>
+                <a:srgbClr val="FFFF00"/>
+              </a:highlight>
+            </a:endParaRPr>
+          </a:p>
+          <a:p>
+            <a:pPr marL="342900" indent="-342900">
+              <a:buFont typeface="Wingdings" panose="05000000000000000000" pitchFamily="2" charset="2"/>
+              <a:buChar char="Ø"/>
+            </a:pPr>
+            <a:r>
+              <a:rPr lang="en-US" altLang="zh-CN" sz="2000" dirty="0">
+                <a:solidFill>
+                  <a:schemeClr val="bg1"/>
+                </a:solidFill>
+                <a:highlight>
+                  <a:srgbClr val="FFFF00"/>
+                </a:highlight>
+              </a:rPr>
+              <a:t>bank</a:t>
+            </a:r>
+            <a:endParaRPr lang="zh-CN" altLang="en-US" sz="2000" dirty="0">
+              <a:solidFill>
+                <a:schemeClr val="bg1"/>
+              </a:solidFill>
+              <a:highlight>
+                <a:srgbClr val="FFFF00"/>
+              </a:highlight>
+            </a:endParaRPr>
           </a:p>
         </p:txBody>
       </p:sp>
     </p:spTree>
     <p:extLst>
       <p:ext uri="{BB962C8B-B14F-4D97-AF65-F5344CB8AC3E}">
-        <p14:creationId xmlns:p14="http://schemas.microsoft.com/office/powerpoint/2010/main" val="2190132018"/>
+        <p14:creationId xmlns:p14="http://schemas.microsoft.com/office/powerpoint/2010/main" val="3300178854"/>
       </p:ext>
     </p:extLst>
   </p:cSld>
@@ -8336,7 +8738,7 @@
           <p:cNvPr id="2" name="标题 1">
             <a:extLst>
               <a:ext uri="{FF2B5EF4-FFF2-40B4-BE49-F238E27FC236}">
-                <a16:creationId xmlns:a16="http://schemas.microsoft.com/office/drawing/2014/main" id="{B1AA155A-4A36-4085-BF68-DD9783C31505}"/>
+                <a16:creationId xmlns:a16="http://schemas.microsoft.com/office/drawing/2014/main" id="{CAC49A6E-00EF-4A8F-9E91-0C288E312FA6}"/>
               </a:ext>
             </a:extLst>
           </p:cNvPr>
@@ -8352,15 +8754,7 @@
           <a:bodyPr/>
           <a:lstStyle/>
           <a:p>
-            <a:r>
-              <a:rPr lang="en-US" altLang="zh-CN" dirty="0"/>
-              <a:t>9.3 </a:t>
-            </a:r>
-            <a:r>
-              <a:rPr lang="zh-CN" altLang="en-US" dirty="0"/>
-              <a:t>深层语义推理</a:t>
-            </a:r>
-            <a:endParaRPr lang="zh-CN" altLang="en-US" b="1" dirty="0"/>
+            <a:endParaRPr lang="zh-CN" altLang="en-US"/>
           </a:p>
         </p:txBody>
       </p:sp>
@@ -8369,7 +8763,7 @@
           <p:cNvPr id="3" name="内容占位符 2">
             <a:extLst>
               <a:ext uri="{FF2B5EF4-FFF2-40B4-BE49-F238E27FC236}">
-                <a16:creationId xmlns:a16="http://schemas.microsoft.com/office/drawing/2014/main" id="{81B33DC0-BF5D-412E-AF38-E6D4F60B9A29}"/>
+                <a16:creationId xmlns:a16="http://schemas.microsoft.com/office/drawing/2014/main" id="{FF53AB1B-E197-4FD3-93C7-63E362DDDEF8}"/>
               </a:ext>
             </a:extLst>
           </p:cNvPr>
@@ -8380,70 +8774,992 @@
             <p:ph idx="1"/>
           </p:nvPr>
         </p:nvSpPr>
-        <p:spPr>
-          <a:xfrm>
-            <a:off x="680321" y="2336873"/>
-            <a:ext cx="9613861" cy="4115808"/>
-          </a:xfrm>
-        </p:spPr>
-        <p:txBody>
-          <a:bodyPr>
-            <a:noAutofit/>
-          </a:bodyPr>
+        <p:spPr/>
+        <p:txBody>
+          <a:bodyPr/>
           <a:lstStyle/>
           <a:p>
-            <a:pPr marL="0" indent="0">
-              <a:buNone/>
-            </a:pPr>
-            <a:r>
-              <a:rPr lang="zh-CN" altLang="en-US" dirty="0"/>
-              <a:t>　　</a:t>
-            </a:r>
-            <a:r>
-              <a:rPr lang="en-US" altLang="zh-CN" dirty="0"/>
-              <a:t>9.3.1 </a:t>
-            </a:r>
-            <a:r>
-              <a:rPr lang="zh-CN" altLang="en-US" dirty="0"/>
-              <a:t>命题逻辑和渭词逻辑</a:t>
-            </a:r>
-            <a:br>
-              <a:rPr lang="zh-CN" altLang="en-US" dirty="0"/>
-            </a:br>
-            <a:r>
-              <a:rPr lang="zh-CN" altLang="en-US" dirty="0"/>
-              <a:t>　　</a:t>
-            </a:r>
-            <a:r>
-              <a:rPr lang="en-US" altLang="zh-CN" dirty="0"/>
-              <a:t>9.3.2 </a:t>
-            </a:r>
-            <a:r>
-              <a:rPr lang="zh-CN" altLang="en-US" dirty="0"/>
-              <a:t>语义网络</a:t>
-            </a:r>
-            <a:br>
-              <a:rPr lang="zh-CN" altLang="en-US" dirty="0"/>
-            </a:br>
-            <a:r>
-              <a:rPr lang="zh-CN" altLang="en-US" dirty="0"/>
-              <a:t>　　</a:t>
-            </a:r>
-            <a:r>
-              <a:rPr lang="en-US" altLang="zh-CN" dirty="0"/>
-              <a:t>9.3.3 </a:t>
-            </a:r>
-            <a:r>
-              <a:rPr lang="zh-CN" altLang="en-US" dirty="0"/>
-              <a:t>概念依存理论</a:t>
-            </a:r>
-          </a:p>
-        </p:txBody>
-      </p:sp>
+            <a:endParaRPr lang="zh-CN" altLang="en-US"/>
+          </a:p>
+        </p:txBody>
+      </p:sp>
+      <p:pic>
+        <p:nvPicPr>
+          <p:cNvPr id="4" name="图片 3">
+            <a:extLst>
+              <a:ext uri="{FF2B5EF4-FFF2-40B4-BE49-F238E27FC236}">
+                <a16:creationId xmlns:a16="http://schemas.microsoft.com/office/drawing/2014/main" id="{D9623991-5F6C-4148-8FA1-EA5C1825A220}"/>
+              </a:ext>
+            </a:extLst>
+          </p:cNvPr>
+          <p:cNvPicPr>
+            <a:picLocks noChangeAspect="1"/>
+          </p:cNvPicPr>
+          <p:nvPr/>
+        </p:nvPicPr>
+        <p:blipFill>
+          <a:blip r:embed="rId2"/>
+          <a:stretch>
+            <a:fillRect/>
+          </a:stretch>
+        </p:blipFill>
+        <p:spPr>
+          <a:xfrm>
+            <a:off x="0" y="576262"/>
+            <a:ext cx="8724900" cy="5705475"/>
+          </a:xfrm>
+          <a:prstGeom prst="rect">
+            <a:avLst/>
+          </a:prstGeom>
+        </p:spPr>
+      </p:pic>
+      <p:pic>
+        <p:nvPicPr>
+          <p:cNvPr id="6" name="图片 5">
+            <a:extLst>
+              <a:ext uri="{FF2B5EF4-FFF2-40B4-BE49-F238E27FC236}">
+                <a16:creationId xmlns:a16="http://schemas.microsoft.com/office/drawing/2014/main" id="{48AFF47C-102A-4469-AE2D-271186B518A8}"/>
+              </a:ext>
+            </a:extLst>
+          </p:cNvPr>
+          <p:cNvPicPr>
+            <a:picLocks noChangeAspect="1"/>
+          </p:cNvPicPr>
+          <p:nvPr/>
+        </p:nvPicPr>
+        <p:blipFill>
+          <a:blip r:embed="rId3"/>
+          <a:stretch>
+            <a:fillRect/>
+          </a:stretch>
+        </p:blipFill>
+        <p:spPr>
+          <a:xfrm>
+            <a:off x="8787039" y="576262"/>
+            <a:ext cx="3450635" cy="4877223"/>
+          </a:xfrm>
+          <a:prstGeom prst="rect">
+            <a:avLst/>
+          </a:prstGeom>
+        </p:spPr>
+      </p:pic>
+      <p:pic>
+        <p:nvPicPr>
+          <p:cNvPr id="8" name="图片 7">
+            <a:extLst>
+              <a:ext uri="{FF2B5EF4-FFF2-40B4-BE49-F238E27FC236}">
+                <a16:creationId xmlns:a16="http://schemas.microsoft.com/office/drawing/2014/main" id="{D2D8DF7E-8979-46E4-B0DD-80AB758CE09D}"/>
+              </a:ext>
+            </a:extLst>
+          </p:cNvPr>
+          <p:cNvPicPr>
+            <a:picLocks noChangeAspect="1"/>
+          </p:cNvPicPr>
+          <p:nvPr/>
+        </p:nvPicPr>
+        <p:blipFill>
+          <a:blip r:embed="rId4"/>
+          <a:stretch>
+            <a:fillRect/>
+          </a:stretch>
+        </p:blipFill>
+        <p:spPr>
+          <a:xfrm>
+            <a:off x="8787039" y="5453485"/>
+            <a:ext cx="2078916" cy="823032"/>
+          </a:xfrm>
+          <a:prstGeom prst="rect">
+            <a:avLst/>
+          </a:prstGeom>
+        </p:spPr>
+      </p:pic>
     </p:spTree>
     <p:extLst>
       <p:ext uri="{BB962C8B-B14F-4D97-AF65-F5344CB8AC3E}">
-        <p14:creationId xmlns:p14="http://schemas.microsoft.com/office/powerpoint/2010/main" val="947805992"/>
+        <p14:creationId xmlns:p14="http://schemas.microsoft.com/office/powerpoint/2010/main" val="3670009325"/>
+      </p:ext>
+    </p:extLst>
+  </p:cSld>
+  <p:clrMapOvr>
+    <a:masterClrMapping/>
+  </p:clrMapOvr>
+</p:sld>
+</file>
+
+<file path=ppt/slides/slide6.xml><?xml version="1.0" encoding="utf-8"?>
+<p:sld xmlns:a="http://schemas.openxmlformats.org/drawingml/2006/main" xmlns:r="http://schemas.openxmlformats.org/officeDocument/2006/relationships" xmlns:p="http://schemas.openxmlformats.org/presentationml/2006/main">
+  <p:cSld>
+    <p:spTree>
+      <p:nvGrpSpPr>
+        <p:cNvPr id="1" name=""/>
+        <p:cNvGrpSpPr/>
+        <p:nvPr/>
+      </p:nvGrpSpPr>
+      <p:grpSpPr>
+        <a:xfrm>
+          <a:off x="0" y="0"/>
+          <a:ext cx="0" cy="0"/>
+          <a:chOff x="0" y="0"/>
+          <a:chExt cx="0" cy="0"/>
+        </a:xfrm>
+      </p:grpSpPr>
+      <p:sp>
+        <p:nvSpPr>
+          <p:cNvPr id="2" name="标题 1">
+            <a:extLst>
+              <a:ext uri="{FF2B5EF4-FFF2-40B4-BE49-F238E27FC236}">
+                <a16:creationId xmlns:a16="http://schemas.microsoft.com/office/drawing/2014/main" id="{82071322-B124-4EBB-9581-FDD1A013F20D}"/>
+              </a:ext>
+            </a:extLst>
+          </p:cNvPr>
+          <p:cNvSpPr>
+            <a:spLocks noGrp="1"/>
+          </p:cNvSpPr>
+          <p:nvPr>
+            <p:ph type="title"/>
+          </p:nvPr>
+        </p:nvSpPr>
+        <p:spPr/>
+        <p:txBody>
+          <a:bodyPr/>
+          <a:lstStyle/>
+          <a:p>
+            <a:r>
+              <a:rPr lang="en-US" altLang="zh-CN" dirty="0"/>
+              <a:t>NLP</a:t>
+            </a:r>
+            <a:r>
+              <a:rPr lang="zh-CN" altLang="en-US" dirty="0"/>
+              <a:t>进阶</a:t>
+            </a:r>
+          </a:p>
+        </p:txBody>
+      </p:sp>
+      <p:sp>
+        <p:nvSpPr>
+          <p:cNvPr id="3" name="内容占位符 2">
+            <a:extLst>
+              <a:ext uri="{FF2B5EF4-FFF2-40B4-BE49-F238E27FC236}">
+                <a16:creationId xmlns:a16="http://schemas.microsoft.com/office/drawing/2014/main" id="{0AB31BDD-7E2C-41DC-BC2D-2DEF6A8D5730}"/>
+              </a:ext>
+            </a:extLst>
+          </p:cNvPr>
+          <p:cNvSpPr>
+            <a:spLocks noGrp="1"/>
+          </p:cNvSpPr>
+          <p:nvPr>
+            <p:ph idx="1"/>
+          </p:nvPr>
+        </p:nvSpPr>
+        <p:spPr>
+          <a:xfrm>
+            <a:off x="680321" y="2336873"/>
+            <a:ext cx="10889109" cy="3599316"/>
+          </a:xfrm>
+        </p:spPr>
+        <p:txBody>
+          <a:bodyPr>
+            <a:normAutofit/>
+          </a:bodyPr>
+          <a:lstStyle/>
+          <a:p>
+            <a:pPr marL="0" indent="0">
+              <a:buNone/>
+            </a:pPr>
+            <a:r>
+              <a:rPr lang="zh-CN" altLang="en-US" dirty="0"/>
+              <a:t>自然语言处理是一门日新月异的学科，在深度学习的时代更是如此。</a:t>
+            </a:r>
+            <a:endParaRPr lang="en-US" altLang="zh-CN" dirty="0"/>
+          </a:p>
+          <a:p>
+            <a:pPr marL="0" indent="0">
+              <a:buNone/>
+            </a:pPr>
+            <a:r>
+              <a:rPr lang="zh-CN" altLang="en-US" dirty="0"/>
+              <a:t>在学术界，即便是当前最先进的研究，在仅仅两个月后很快就会被突破。</a:t>
+            </a:r>
+            <a:endParaRPr lang="en-US" altLang="zh-CN" dirty="0"/>
+          </a:p>
+          <a:p>
+            <a:pPr marL="0" indent="0">
+              <a:buNone/>
+            </a:pPr>
+            <a:endParaRPr lang="en-US" altLang="zh-CN" dirty="0"/>
+          </a:p>
+          <a:p>
+            <a:pPr marL="0" indent="0">
+              <a:buNone/>
+            </a:pPr>
+            <a:r>
+              <a:rPr lang="zh-CN" altLang="en-US" dirty="0"/>
+              <a:t>神经网络中常用的特征提取器</a:t>
+            </a:r>
+            <a:r>
+              <a:rPr lang="en-US" altLang="zh-CN" dirty="0"/>
+              <a:t>: </a:t>
+            </a:r>
+          </a:p>
+          <a:p>
+            <a:pPr lvl="1"/>
+            <a:r>
+              <a:rPr lang="zh-CN" altLang="en-US" dirty="0"/>
+              <a:t>用于时序数据的递归神经网络 </a:t>
+            </a:r>
+            <a:r>
+              <a:rPr lang="en-US" altLang="zh-CN" dirty="0"/>
+              <a:t>RNN </a:t>
+            </a:r>
+          </a:p>
+          <a:p>
+            <a:pPr lvl="1"/>
+            <a:r>
+              <a:rPr lang="zh-CN" altLang="en-US" dirty="0"/>
+              <a:t>用于空间数据的卷积神经网络 </a:t>
+            </a:r>
+            <a:r>
+              <a:rPr lang="en-US" altLang="zh-CN" dirty="0"/>
+              <a:t>CNN</a:t>
+            </a:r>
+          </a:p>
+        </p:txBody>
+      </p:sp>
+      <p:sp>
+        <p:nvSpPr>
+          <p:cNvPr id="6" name="文本框 5">
+            <a:extLst>
+              <a:ext uri="{FF2B5EF4-FFF2-40B4-BE49-F238E27FC236}">
+                <a16:creationId xmlns:a16="http://schemas.microsoft.com/office/drawing/2014/main" id="{405A66F8-9A3E-4EA0-BBF2-D8841EF92041}"/>
+              </a:ext>
+            </a:extLst>
+          </p:cNvPr>
+          <p:cNvSpPr txBox="1"/>
+          <p:nvPr/>
+        </p:nvSpPr>
+        <p:spPr>
+          <a:xfrm>
+            <a:off x="680321" y="6339351"/>
+            <a:ext cx="6096000" cy="369332"/>
+          </a:xfrm>
+          <a:prstGeom prst="rect">
+            <a:avLst/>
+          </a:prstGeom>
+          <a:noFill/>
+        </p:spPr>
+        <p:txBody>
+          <a:bodyPr wrap="square">
+            <a:spAutoFit/>
+          </a:bodyPr>
+          <a:lstStyle/>
+          <a:p>
+            <a:r>
+              <a:rPr lang="en-US" altLang="zh-CN" dirty="0"/>
+              <a:t>https://github.com/NLP-LOVE/Introduction-NLP</a:t>
+            </a:r>
+            <a:endParaRPr lang="zh-CN" altLang="en-US" dirty="0"/>
+          </a:p>
+        </p:txBody>
+      </p:sp>
+    </p:spTree>
+    <p:extLst>
+      <p:ext uri="{BB962C8B-B14F-4D97-AF65-F5344CB8AC3E}">
+        <p14:creationId xmlns:p14="http://schemas.microsoft.com/office/powerpoint/2010/main" val="725594704"/>
+      </p:ext>
+    </p:extLst>
+  </p:cSld>
+  <p:clrMapOvr>
+    <a:masterClrMapping/>
+  </p:clrMapOvr>
+</p:sld>
+</file>
+
+<file path=ppt/slides/slide7.xml><?xml version="1.0" encoding="utf-8"?>
+<p:sld xmlns:a="http://schemas.openxmlformats.org/drawingml/2006/main" xmlns:r="http://schemas.openxmlformats.org/officeDocument/2006/relationships" xmlns:p="http://schemas.openxmlformats.org/presentationml/2006/main">
+  <p:cSld>
+    <p:spTree>
+      <p:nvGrpSpPr>
+        <p:cNvPr id="1" name=""/>
+        <p:cNvGrpSpPr/>
+        <p:nvPr/>
+      </p:nvGrpSpPr>
+      <p:grpSpPr>
+        <a:xfrm>
+          <a:off x="0" y="0"/>
+          <a:ext cx="0" cy="0"/>
+          <a:chOff x="0" y="0"/>
+          <a:chExt cx="0" cy="0"/>
+        </a:xfrm>
+      </p:grpSpPr>
+      <p:sp>
+        <p:nvSpPr>
+          <p:cNvPr id="2" name="标题 1">
+            <a:extLst>
+              <a:ext uri="{FF2B5EF4-FFF2-40B4-BE49-F238E27FC236}">
+                <a16:creationId xmlns:a16="http://schemas.microsoft.com/office/drawing/2014/main" id="{4E599E04-CE5B-4B9E-B046-EE99AC279036}"/>
+              </a:ext>
+            </a:extLst>
+          </p:cNvPr>
+          <p:cNvSpPr>
+            <a:spLocks noGrp="1"/>
+          </p:cNvSpPr>
+          <p:nvPr>
+            <p:ph type="title"/>
+          </p:nvPr>
+        </p:nvSpPr>
+        <p:spPr/>
+        <p:txBody>
+          <a:bodyPr/>
+          <a:lstStyle/>
+          <a:p>
+            <a:r>
+              <a:rPr lang="en-US" altLang="zh-CN" dirty="0"/>
+              <a:t>NLP</a:t>
+            </a:r>
+            <a:r>
+              <a:rPr lang="zh-CN" altLang="en-US" dirty="0"/>
+              <a:t>进阶 </a:t>
+            </a:r>
+            <a:r>
+              <a:rPr lang="en-US" altLang="zh-CN" dirty="0"/>
+              <a:t>- </a:t>
+            </a:r>
+            <a:r>
+              <a:rPr lang="zh-CN" altLang="en-US" dirty="0"/>
+              <a:t>词嵌入的预训练方面</a:t>
+            </a:r>
+          </a:p>
+        </p:txBody>
+      </p:sp>
+      <p:sp>
+        <p:nvSpPr>
+          <p:cNvPr id="3" name="内容占位符 2">
+            <a:extLst>
+              <a:ext uri="{FF2B5EF4-FFF2-40B4-BE49-F238E27FC236}">
+                <a16:creationId xmlns:a16="http://schemas.microsoft.com/office/drawing/2014/main" id="{9E0623C1-7619-4282-B684-080702E65ED7}"/>
+              </a:ext>
+            </a:extLst>
+          </p:cNvPr>
+          <p:cNvSpPr>
+            <a:spLocks noGrp="1"/>
+          </p:cNvSpPr>
+          <p:nvPr>
+            <p:ph idx="1"/>
+          </p:nvPr>
+        </p:nvSpPr>
+        <p:spPr>
+          <a:xfrm>
+            <a:off x="680321" y="2336872"/>
+            <a:ext cx="10441636" cy="4148233"/>
+          </a:xfrm>
+        </p:spPr>
+        <p:txBody>
+          <a:bodyPr>
+            <a:normAutofit/>
+          </a:bodyPr>
+          <a:lstStyle/>
+          <a:p>
+            <a:r>
+              <a:rPr lang="en-US" altLang="zh-CN" dirty="0"/>
+              <a:t>word2vec </a:t>
+            </a:r>
+            <a:r>
+              <a:rPr lang="zh-CN" altLang="en-US" dirty="0"/>
+              <a:t>早已是明日黄花。</a:t>
+            </a:r>
+            <a:endParaRPr lang="en-US" altLang="zh-CN" dirty="0"/>
+          </a:p>
+          <a:p>
+            <a:r>
+              <a:rPr lang="en-US" altLang="zh-CN" dirty="0"/>
+              <a:t>Facebook </a:t>
+            </a:r>
+            <a:r>
+              <a:rPr lang="zh-CN" altLang="en-US" dirty="0"/>
+              <a:t>的 </a:t>
+            </a:r>
+            <a:r>
+              <a:rPr lang="en-US" altLang="zh-CN" dirty="0" err="1">
+                <a:highlight>
+                  <a:srgbClr val="000080"/>
+                </a:highlight>
+              </a:rPr>
+              <a:t>fastText</a:t>
+            </a:r>
+            <a:r>
+              <a:rPr lang="en-US" altLang="zh-CN" dirty="0"/>
+              <a:t> </a:t>
+            </a:r>
+            <a:r>
+              <a:rPr lang="zh-CN" altLang="en-US" sz="1800" dirty="0"/>
+              <a:t>可以为任意词语构造词向量，不要求该词语一定得出现在语料库中。</a:t>
+            </a:r>
+            <a:endParaRPr lang="en-US" altLang="zh-CN" sz="1800" dirty="0"/>
+          </a:p>
+          <a:p>
+            <a:endParaRPr lang="en-US" altLang="zh-CN" dirty="0"/>
+          </a:p>
+          <a:p>
+            <a:r>
+              <a:rPr lang="zh-CN" altLang="en-US" sz="1300" dirty="0"/>
+              <a:t>但是，无论是 </a:t>
+            </a:r>
+            <a:r>
+              <a:rPr lang="en-US" altLang="zh-CN" sz="1300" dirty="0"/>
+              <a:t>word2vec </a:t>
+            </a:r>
+            <a:r>
+              <a:rPr lang="zh-CN" altLang="en-US" sz="1300" dirty="0"/>
+              <a:t>还是 </a:t>
+            </a:r>
+            <a:r>
+              <a:rPr lang="en-US" altLang="zh-CN" sz="1300" dirty="0" err="1"/>
+              <a:t>fastText</a:t>
+            </a:r>
+            <a:r>
+              <a:rPr lang="zh-CN" altLang="en-US" sz="1300" dirty="0"/>
+              <a:t>，都无法解决一词多义的问题。</a:t>
+            </a:r>
+            <a:endParaRPr lang="en-US" altLang="zh-CN" sz="1300" dirty="0"/>
+          </a:p>
+          <a:p>
+            <a:r>
+              <a:rPr lang="zh-CN" altLang="en-US" sz="1300" dirty="0"/>
+              <a:t>因为多义词的消歧必须根据给定句子的上下文才能进行，这催生了一系列能够感知上下文的词语表示方法。</a:t>
+            </a:r>
+          </a:p>
+          <a:p>
+            <a:endParaRPr lang="zh-CN" altLang="en-US" dirty="0"/>
+          </a:p>
+          <a:p>
+            <a:r>
+              <a:rPr lang="zh-CN" altLang="en-US" dirty="0"/>
+              <a:t>华盛顿大学提出了 </a:t>
+            </a:r>
+            <a:r>
+              <a:rPr lang="en-US" altLang="zh-CN" dirty="0">
+                <a:highlight>
+                  <a:srgbClr val="000080"/>
+                </a:highlight>
+              </a:rPr>
+              <a:t>ELMO</a:t>
+            </a:r>
+            <a:r>
+              <a:rPr lang="zh-CN" altLang="en-US" dirty="0"/>
+              <a:t>，</a:t>
+            </a:r>
+            <a:r>
+              <a:rPr lang="zh-CN" altLang="en-US" sz="1600" dirty="0"/>
+              <a:t>即一个在大规模纯文本上训练的双向 </a:t>
+            </a:r>
+            <a:r>
+              <a:rPr lang="en-US" altLang="zh-CN" sz="1600" dirty="0"/>
+              <a:t>LSTM </a:t>
+            </a:r>
+            <a:r>
+              <a:rPr lang="zh-CN" altLang="en-US" sz="1600" dirty="0"/>
+              <a:t>语言模型</a:t>
+            </a:r>
+            <a:r>
+              <a:rPr lang="zh-CN" altLang="en-US" dirty="0"/>
+              <a:t>。</a:t>
+            </a:r>
+            <a:endParaRPr lang="en-US" altLang="zh-CN" dirty="0"/>
+          </a:p>
+          <a:p>
+            <a:r>
+              <a:rPr lang="en-US" altLang="zh-CN" dirty="0"/>
+              <a:t>Google </a:t>
+            </a:r>
+            <a:r>
+              <a:rPr lang="zh-CN" altLang="en-US" dirty="0"/>
+              <a:t>的 </a:t>
+            </a:r>
+            <a:r>
+              <a:rPr lang="en-US" altLang="zh-CN" b="1" dirty="0">
+                <a:solidFill>
+                  <a:srgbClr val="FF0000"/>
+                </a:solidFill>
+                <a:highlight>
+                  <a:srgbClr val="FFFF00"/>
+                </a:highlight>
+                <a:hlinkClick r:id="rId2"/>
+              </a:rPr>
+              <a:t>BERT</a:t>
+            </a:r>
+            <a:r>
+              <a:rPr lang="en-US" altLang="zh-CN" dirty="0"/>
+              <a:t> </a:t>
+            </a:r>
+            <a:r>
+              <a:rPr lang="zh-CN" altLang="en-US" dirty="0"/>
+              <a:t>模型</a:t>
+            </a:r>
+            <a:r>
+              <a:rPr lang="en-US" altLang="zh-CN" dirty="0"/>
+              <a:t>,</a:t>
+            </a:r>
+            <a:r>
+              <a:rPr lang="zh-CN" altLang="en-US" sz="1600" dirty="0"/>
+              <a:t>通过一种高效的双向</a:t>
+            </a:r>
+            <a:r>
+              <a:rPr lang="en-US" altLang="zh-CN" sz="1600" dirty="0"/>
+              <a:t>Transformer</a:t>
+            </a:r>
+            <a:r>
+              <a:rPr lang="zh-CN" altLang="en-US" sz="1600" dirty="0"/>
+              <a:t>网络同时对上文和下文建模，在许多</a:t>
+            </a:r>
+            <a:r>
+              <a:rPr lang="en-US" altLang="zh-CN" sz="1600" dirty="0"/>
+              <a:t>NLP</a:t>
+            </a:r>
+            <a:r>
+              <a:rPr lang="zh-CN" altLang="en-US" sz="1600" dirty="0"/>
+              <a:t>任务上取得了惊人的成绩。</a:t>
+            </a:r>
+          </a:p>
+        </p:txBody>
+      </p:sp>
+    </p:spTree>
+    <p:extLst>
+      <p:ext uri="{BB962C8B-B14F-4D97-AF65-F5344CB8AC3E}">
+        <p14:creationId xmlns:p14="http://schemas.microsoft.com/office/powerpoint/2010/main" val="3603175183"/>
+      </p:ext>
+    </p:extLst>
+  </p:cSld>
+  <p:clrMapOvr>
+    <a:masterClrMapping/>
+  </p:clrMapOvr>
+</p:sld>
+</file>
+
+<file path=ppt/slides/slide8.xml><?xml version="1.0" encoding="utf-8"?>
+<p:sld xmlns:a="http://schemas.openxmlformats.org/drawingml/2006/main" xmlns:r="http://schemas.openxmlformats.org/officeDocument/2006/relationships" xmlns:p="http://schemas.openxmlformats.org/presentationml/2006/main">
+  <p:cSld>
+    <p:spTree>
+      <p:nvGrpSpPr>
+        <p:cNvPr id="1" name=""/>
+        <p:cNvGrpSpPr/>
+        <p:nvPr/>
+      </p:nvGrpSpPr>
+      <p:grpSpPr>
+        <a:xfrm>
+          <a:off x="0" y="0"/>
+          <a:ext cx="0" cy="0"/>
+          <a:chOff x="0" y="0"/>
+          <a:chExt cx="0" cy="0"/>
+        </a:xfrm>
+      </p:grpSpPr>
+      <p:sp>
+        <p:nvSpPr>
+          <p:cNvPr id="2" name="标题 1">
+            <a:extLst>
+              <a:ext uri="{FF2B5EF4-FFF2-40B4-BE49-F238E27FC236}">
+                <a16:creationId xmlns:a16="http://schemas.microsoft.com/office/drawing/2014/main" id="{A294F3EB-C96A-4954-A8DE-D3B21582DCE5}"/>
+              </a:ext>
+            </a:extLst>
+          </p:cNvPr>
+          <p:cNvSpPr>
+            <a:spLocks noGrp="1"/>
+          </p:cNvSpPr>
+          <p:nvPr>
+            <p:ph type="title"/>
+          </p:nvPr>
+        </p:nvSpPr>
+        <p:spPr/>
+        <p:txBody>
+          <a:bodyPr/>
+          <a:lstStyle/>
+          <a:p>
+            <a:r>
+              <a:rPr lang="zh-CN" altLang="en-US" dirty="0"/>
+              <a:t>另一些以前认为很难的 </a:t>
+            </a:r>
+            <a:r>
+              <a:rPr lang="en-US" altLang="zh-CN" dirty="0"/>
+              <a:t>NLP </a:t>
+            </a:r>
+            <a:r>
+              <a:rPr lang="zh-CN" altLang="en-US" dirty="0"/>
+              <a:t>任务</a:t>
+            </a:r>
+          </a:p>
+        </p:txBody>
+      </p:sp>
+      <p:sp>
+        <p:nvSpPr>
+          <p:cNvPr id="3" name="内容占位符 2">
+            <a:extLst>
+              <a:ext uri="{FF2B5EF4-FFF2-40B4-BE49-F238E27FC236}">
+                <a16:creationId xmlns:a16="http://schemas.microsoft.com/office/drawing/2014/main" id="{FFD9D501-6AD2-4F0E-A5D1-1EDD08D26658}"/>
+              </a:ext>
+            </a:extLst>
+          </p:cNvPr>
+          <p:cNvSpPr>
+            <a:spLocks noGrp="1"/>
+          </p:cNvSpPr>
+          <p:nvPr>
+            <p:ph idx="1"/>
+          </p:nvPr>
+        </p:nvSpPr>
+        <p:spPr>
+          <a:xfrm>
+            <a:off x="680321" y="2336873"/>
+            <a:ext cx="10701041" cy="3599316"/>
+          </a:xfrm>
+        </p:spPr>
+        <p:txBody>
+          <a:bodyPr/>
+          <a:lstStyle/>
+          <a:p>
+            <a:pPr marL="0" indent="0">
+              <a:buNone/>
+            </a:pPr>
+            <a:r>
+              <a:rPr lang="zh-CN" altLang="en-US" dirty="0"/>
+              <a:t>比如自动问答和文档摘要等，在深度学习时代反而显得非常简单。</a:t>
+            </a:r>
+            <a:endParaRPr lang="en-US" altLang="zh-CN" dirty="0"/>
+          </a:p>
+          <a:p>
+            <a:pPr marL="0" indent="0">
+              <a:buNone/>
+            </a:pPr>
+            <a:endParaRPr lang="en-US" altLang="zh-CN" dirty="0"/>
+          </a:p>
+          <a:p>
+            <a:r>
+              <a:rPr lang="zh-CN" altLang="en-US" dirty="0"/>
+              <a:t>自动问答：</a:t>
+            </a:r>
+            <a:r>
+              <a:rPr lang="zh-CN" altLang="en-US" sz="1600" dirty="0"/>
+              <a:t>归结为衡量问题和备选答案之间的文本相似度，这恰好是具备注意力机制的神经网络所擅长的。</a:t>
+            </a:r>
+            <a:endParaRPr lang="en-US" altLang="zh-CN" sz="1600" dirty="0"/>
+          </a:p>
+          <a:p>
+            <a:r>
+              <a:rPr lang="zh-CN" altLang="en-US" dirty="0"/>
+              <a:t>文档摘要：</a:t>
+            </a:r>
+            <a:r>
+              <a:rPr lang="zh-CN" altLang="en-US" sz="1600" dirty="0"/>
+              <a:t>涉及的文本生成技术，又恰好是 </a:t>
+            </a:r>
+            <a:r>
+              <a:rPr lang="en-US" altLang="zh-CN" sz="1600" dirty="0"/>
+              <a:t>RNN </a:t>
+            </a:r>
+            <a:r>
+              <a:rPr lang="zh-CN" altLang="en-US" sz="1600" dirty="0"/>
+              <a:t>语言模型所擅长的。</a:t>
+            </a:r>
+            <a:endParaRPr lang="en-US" altLang="zh-CN" sz="1600" dirty="0"/>
+          </a:p>
+          <a:p>
+            <a:r>
+              <a:rPr lang="zh-CN" altLang="en-US" dirty="0"/>
+              <a:t>机器翻译：</a:t>
+            </a:r>
+            <a:r>
+              <a:rPr lang="en-US" altLang="zh-CN" sz="1600" dirty="0"/>
+              <a:t>Google </a:t>
+            </a:r>
+            <a:r>
+              <a:rPr lang="zh-CN" altLang="en-US" sz="1600" dirty="0"/>
+              <a:t>早已利用基于神经网络的机器翻译技术淘汰了基于短语的机器翻译技术。</a:t>
+            </a:r>
+          </a:p>
+        </p:txBody>
+      </p:sp>
+    </p:spTree>
+    <p:extLst>
+      <p:ext uri="{BB962C8B-B14F-4D97-AF65-F5344CB8AC3E}">
+        <p14:creationId xmlns:p14="http://schemas.microsoft.com/office/powerpoint/2010/main" val="2846797266"/>
+      </p:ext>
+    </p:extLst>
+  </p:cSld>
+  <p:clrMapOvr>
+    <a:masterClrMapping/>
+  </p:clrMapOvr>
+</p:sld>
+</file>
+
+<file path=ppt/slides/slide9.xml><?xml version="1.0" encoding="utf-8"?>
+<p:sld xmlns:a="http://schemas.openxmlformats.org/drawingml/2006/main" xmlns:r="http://schemas.openxmlformats.org/officeDocument/2006/relationships" xmlns:p="http://schemas.openxmlformats.org/presentationml/2006/main">
+  <p:cSld>
+    <p:spTree>
+      <p:nvGrpSpPr>
+        <p:cNvPr id="1" name=""/>
+        <p:cNvGrpSpPr/>
+        <p:nvPr/>
+      </p:nvGrpSpPr>
+      <p:grpSpPr>
+        <a:xfrm>
+          <a:off x="0" y="0"/>
+          <a:ext cx="0" cy="0"/>
+          <a:chOff x="0" y="0"/>
+          <a:chExt cx="0" cy="0"/>
+        </a:xfrm>
+      </p:grpSpPr>
+      <p:sp>
+        <p:nvSpPr>
+          <p:cNvPr id="2" name="标题 1">
+            <a:extLst>
+              <a:ext uri="{FF2B5EF4-FFF2-40B4-BE49-F238E27FC236}">
+                <a16:creationId xmlns:a16="http://schemas.microsoft.com/office/drawing/2014/main" id="{E90775A2-AAFA-429B-956C-9009EC9D62BA}"/>
+              </a:ext>
+            </a:extLst>
+          </p:cNvPr>
+          <p:cNvSpPr>
+            <a:spLocks noGrp="1"/>
+          </p:cNvSpPr>
+          <p:nvPr>
+            <p:ph type="title"/>
+          </p:nvPr>
+        </p:nvSpPr>
+        <p:spPr/>
+        <p:txBody>
+          <a:bodyPr/>
+          <a:lstStyle/>
+          <a:p>
+            <a:r>
+              <a:rPr lang="zh-CN" altLang="en-US" dirty="0"/>
+              <a:t>自然语言处理的未来图景宏伟而广阔</a:t>
+            </a:r>
+          </a:p>
+        </p:txBody>
+      </p:sp>
+      <p:sp>
+        <p:nvSpPr>
+          <p:cNvPr id="3" name="内容占位符 2">
+            <a:extLst>
+              <a:ext uri="{FF2B5EF4-FFF2-40B4-BE49-F238E27FC236}">
+                <a16:creationId xmlns:a16="http://schemas.microsoft.com/office/drawing/2014/main" id="{17C33578-0801-4F0D-A840-5BF5C38EFCC5}"/>
+              </a:ext>
+            </a:extLst>
+          </p:cNvPr>
+          <p:cNvSpPr>
+            <a:spLocks noGrp="1"/>
+          </p:cNvSpPr>
+          <p:nvPr>
+            <p:ph idx="1"/>
+          </p:nvPr>
+        </p:nvSpPr>
+        <p:spPr>
+          <a:xfrm>
+            <a:off x="278245" y="2372246"/>
+            <a:ext cx="9047339" cy="2838242"/>
+          </a:xfrm>
+        </p:spPr>
+        <p:txBody>
+          <a:bodyPr/>
+          <a:lstStyle/>
+          <a:p>
+            <a:pPr marL="0" indent="0">
+              <a:buNone/>
+            </a:pPr>
+            <a:r>
+              <a:rPr lang="zh-CN" altLang="en-US" dirty="0"/>
+              <a:t>自然语言处理入门系列文章就作为这条漫漫长路上的一块垫脚石，</a:t>
+            </a:r>
+            <a:endParaRPr lang="en-US" altLang="zh-CN" dirty="0"/>
+          </a:p>
+          <a:p>
+            <a:pPr marL="0" indent="0">
+              <a:buNone/>
+            </a:pPr>
+            <a:r>
+              <a:rPr lang="zh-CN" altLang="en-US" dirty="0"/>
+              <a:t>希望给予读者一些必备的人门概念。</a:t>
+            </a:r>
+            <a:endParaRPr lang="en-US" altLang="zh-CN" dirty="0"/>
+          </a:p>
+          <a:p>
+            <a:pPr marL="0" indent="0">
+              <a:buNone/>
+            </a:pPr>
+            <a:r>
+              <a:rPr lang="zh-CN" altLang="en-US" dirty="0"/>
+              <a:t>至于接下来的修行，前路漫漫，与君共勉。</a:t>
+            </a:r>
+            <a:endParaRPr lang="en-US" altLang="zh-CN" dirty="0"/>
+          </a:p>
+          <a:p>
+            <a:pPr marL="0" indent="0">
+              <a:buNone/>
+            </a:pPr>
+            <a:endParaRPr lang="en-US" altLang="zh-CN" dirty="0"/>
+          </a:p>
+          <a:p>
+            <a:pPr marL="0" indent="0">
+              <a:buNone/>
+            </a:pPr>
+            <a:endParaRPr lang="en-US" altLang="zh-CN" dirty="0"/>
+          </a:p>
+          <a:p>
+            <a:pPr marL="0" indent="0" algn="r">
+              <a:buNone/>
+            </a:pPr>
+            <a:r>
+              <a:rPr lang="zh-CN" altLang="en-US" dirty="0"/>
+              <a:t>何晗</a:t>
+            </a:r>
+            <a:r>
+              <a:rPr lang="en-US" altLang="zh-CN" dirty="0"/>
+              <a:t>《</a:t>
+            </a:r>
+            <a:r>
+              <a:rPr lang="zh-CN" altLang="en-US" dirty="0"/>
+              <a:t>自然语言处理入门</a:t>
+            </a:r>
+            <a:r>
+              <a:rPr lang="en-US" altLang="zh-CN" dirty="0"/>
+              <a:t>》</a:t>
+            </a:r>
+            <a:endParaRPr lang="zh-CN" altLang="en-US" dirty="0"/>
+          </a:p>
+        </p:txBody>
+      </p:sp>
+      <p:sp>
+        <p:nvSpPr>
+          <p:cNvPr id="5" name="文本框 4">
+            <a:extLst>
+              <a:ext uri="{FF2B5EF4-FFF2-40B4-BE49-F238E27FC236}">
+                <a16:creationId xmlns:a16="http://schemas.microsoft.com/office/drawing/2014/main" id="{EB356C24-5D08-4DCC-9EA6-D0DBFE726903}"/>
+              </a:ext>
+            </a:extLst>
+          </p:cNvPr>
+          <p:cNvSpPr txBox="1"/>
+          <p:nvPr/>
+        </p:nvSpPr>
+        <p:spPr>
+          <a:xfrm>
+            <a:off x="278245" y="6324794"/>
+            <a:ext cx="4980561" cy="276999"/>
+          </a:xfrm>
+          <a:prstGeom prst="rect">
+            <a:avLst/>
+          </a:prstGeom>
+          <a:noFill/>
+        </p:spPr>
+        <p:txBody>
+          <a:bodyPr wrap="square">
+            <a:spAutoFit/>
+          </a:bodyPr>
+          <a:lstStyle/>
+          <a:p>
+            <a:r>
+              <a:rPr lang="en-US" altLang="zh-CN" sz="1200" dirty="0"/>
+              <a:t>https://github.com/NLP-LOVE/Introduction-NLP</a:t>
+            </a:r>
+            <a:endParaRPr lang="zh-CN" altLang="en-US" sz="1200" dirty="0"/>
+          </a:p>
+        </p:txBody>
+      </p:sp>
+      <p:pic>
+        <p:nvPicPr>
+          <p:cNvPr id="7" name="图片 6">
+            <a:extLst>
+              <a:ext uri="{FF2B5EF4-FFF2-40B4-BE49-F238E27FC236}">
+                <a16:creationId xmlns:a16="http://schemas.microsoft.com/office/drawing/2014/main" id="{E51604E5-50CE-4860-8668-D6FA64407D36}"/>
+              </a:ext>
+            </a:extLst>
+          </p:cNvPr>
+          <p:cNvPicPr>
+            <a:picLocks noChangeAspect="1"/>
+          </p:cNvPicPr>
+          <p:nvPr/>
+        </p:nvPicPr>
+        <p:blipFill>
+          <a:blip r:embed="rId2"/>
+          <a:stretch>
+            <a:fillRect/>
+          </a:stretch>
+        </p:blipFill>
+        <p:spPr>
+          <a:xfrm>
+            <a:off x="9630832" y="2372246"/>
+            <a:ext cx="2393221" cy="3899817"/>
+          </a:xfrm>
+          <a:prstGeom prst="rect">
+            <a:avLst/>
+          </a:prstGeom>
+        </p:spPr>
+      </p:pic>
+      <p:sp>
+        <p:nvSpPr>
+          <p:cNvPr id="9" name="文本框 8">
+            <a:extLst>
+              <a:ext uri="{FF2B5EF4-FFF2-40B4-BE49-F238E27FC236}">
+                <a16:creationId xmlns:a16="http://schemas.microsoft.com/office/drawing/2014/main" id="{65AF711F-1DA5-4E14-BB99-203BB4E4E5D5}"/>
+              </a:ext>
+            </a:extLst>
+          </p:cNvPr>
+          <p:cNvSpPr txBox="1"/>
+          <p:nvPr/>
+        </p:nvSpPr>
+        <p:spPr>
+          <a:xfrm>
+            <a:off x="278245" y="6544816"/>
+            <a:ext cx="6096000" cy="276999"/>
+          </a:xfrm>
+          <a:prstGeom prst="rect">
+            <a:avLst/>
+          </a:prstGeom>
+          <a:noFill/>
+        </p:spPr>
+        <p:txBody>
+          <a:bodyPr wrap="square">
+            <a:spAutoFit/>
+          </a:bodyPr>
+          <a:lstStyle/>
+          <a:p>
+            <a:r>
+              <a:rPr lang="en-US" altLang="zh-CN" sz="1200" dirty="0"/>
+              <a:t>https://github.com/hankcs/HanLP/tree/v1.7.5/src/test/java/com/hankcs/book</a:t>
+            </a:r>
+            <a:endParaRPr lang="zh-CN" altLang="en-US" sz="1200" dirty="0"/>
+          </a:p>
+        </p:txBody>
+      </p:sp>
+      <p:pic>
+        <p:nvPicPr>
+          <p:cNvPr id="13" name="图片 12">
+            <a:extLst>
+              <a:ext uri="{FF2B5EF4-FFF2-40B4-BE49-F238E27FC236}">
+                <a16:creationId xmlns:a16="http://schemas.microsoft.com/office/drawing/2014/main" id="{DB04A5D7-4924-462A-A8C8-397B5E8A1BA9}"/>
+              </a:ext>
+            </a:extLst>
+          </p:cNvPr>
+          <p:cNvPicPr>
+            <a:picLocks noChangeAspect="1"/>
+          </p:cNvPicPr>
+          <p:nvPr/>
+        </p:nvPicPr>
+        <p:blipFill>
+          <a:blip r:embed="rId3"/>
+          <a:stretch>
+            <a:fillRect/>
+          </a:stretch>
+        </p:blipFill>
+        <p:spPr>
+          <a:xfrm>
+            <a:off x="390865" y="3801486"/>
+            <a:ext cx="1943612" cy="2470577"/>
+          </a:xfrm>
+          <a:prstGeom prst="rect">
+            <a:avLst/>
+          </a:prstGeom>
+        </p:spPr>
+      </p:pic>
+    </p:spTree>
+    <p:extLst>
+      <p:ext uri="{BB962C8B-B14F-4D97-AF65-F5344CB8AC3E}">
+        <p14:creationId xmlns:p14="http://schemas.microsoft.com/office/powerpoint/2010/main" val="3642048831"/>
       </p:ext>
     </p:extLst>
   </p:cSld>
